--- a/04-DocumentObjectModel/DOM Excercises.pptx
+++ b/04-DocumentObjectModel/DOM Excercises.pptx
@@ -208,7 +208,7 @@
           <a:p>
             <a:fld id="{C106EF3D-C2A7-4690-80C8-C2473A856193}" type="datetimeFigureOut">
               <a:rPr lang="pl-PL" smtClean="0"/>
-              <a:t>2019-11-19</a:t>
+              <a:t>2019-11-20</a:t>
             </a:fld>
             <a:endParaRPr lang="pl-PL" dirty="0"/>
           </a:p>
@@ -373,7 +373,7 @@
           <a:p>
             <a:fld id="{85D68E81-03CD-43A1-B18B-BEB6B9439387}" type="datetimeFigureOut">
               <a:rPr lang="pl-PL" smtClean="0"/>
-              <a:t>2019-11-19</a:t>
+              <a:t>2019-11-20</a:t>
             </a:fld>
             <a:endParaRPr lang="pl-PL" dirty="0"/>
           </a:p>
@@ -1105,7 +1105,7 @@
           <a:p>
             <a:fld id="{F26B3061-B9B7-461F-AB67-5D66A3ABCDA5}" type="datetime1">
               <a:rPr lang="pl-PL" smtClean="0"/>
-              <a:t>2019-11-19</a:t>
+              <a:t>2019-11-20</a:t>
             </a:fld>
             <a:endParaRPr lang="pl-PL" dirty="0"/>
           </a:p>
@@ -1380,7 +1380,7 @@
           <a:p>
             <a:fld id="{A2ADAE54-1728-4B6D-BEF4-D2AEA4F8114E}" type="datetime1">
               <a:rPr lang="pl-PL" smtClean="0"/>
-              <a:t>2019-11-19</a:t>
+              <a:t>2019-11-20</a:t>
             </a:fld>
             <a:endParaRPr lang="pl-PL" dirty="0"/>
           </a:p>
@@ -1632,7 +1632,7 @@
           <a:p>
             <a:fld id="{919C3B4F-179D-44ED-90DF-E8739DC8608F}" type="datetime1">
               <a:rPr lang="pl-PL" smtClean="0"/>
-              <a:t>2019-11-19</a:t>
+              <a:t>2019-11-20</a:t>
             </a:fld>
             <a:endParaRPr lang="pl-PL" dirty="0"/>
           </a:p>
@@ -1800,7 +1800,7 @@
           <a:p>
             <a:fld id="{10A2297D-8C4B-4C5B-B66E-47E601842B03}" type="datetime1">
               <a:rPr lang="pl-PL" smtClean="0"/>
-              <a:t>2019-11-19</a:t>
+              <a:t>2019-11-20</a:t>
             </a:fld>
             <a:endParaRPr lang="pl-PL" dirty="0"/>
           </a:p>
@@ -1978,7 +1978,7 @@
           <a:p>
             <a:fld id="{94B42B50-113C-45E3-9231-B66C297B394E}" type="datetime1">
               <a:rPr lang="pl-PL" smtClean="0"/>
-              <a:t>2019-11-19</a:t>
+              <a:t>2019-11-20</a:t>
             </a:fld>
             <a:endParaRPr lang="pl-PL" dirty="0"/>
           </a:p>
@@ -2135,7 +2135,7 @@
           <a:p>
             <a:fld id="{9549FAE5-AB97-492F-ADAE-06E72624D9F3}" type="datetime1">
               <a:rPr lang="pl-PL" smtClean="0"/>
-              <a:t>2019-11-19</a:t>
+              <a:t>2019-11-20</a:t>
             </a:fld>
             <a:endParaRPr lang="pl-PL" dirty="0"/>
           </a:p>
@@ -2323,7 +2323,7 @@
           <a:p>
             <a:fld id="{9549FAE5-AB97-492F-ADAE-06E72624D9F3}" type="datetime1">
               <a:rPr lang="pl-PL" smtClean="0"/>
-              <a:t>2019-11-19</a:t>
+              <a:t>2019-11-20</a:t>
             </a:fld>
             <a:endParaRPr lang="pl-PL" dirty="0"/>
           </a:p>
@@ -2510,7 +2510,7 @@
           <a:p>
             <a:fld id="{9549FAE5-AB97-492F-ADAE-06E72624D9F3}" type="datetime1">
               <a:rPr lang="pl-PL" smtClean="0"/>
-              <a:t>2019-11-19</a:t>
+              <a:t>2019-11-20</a:t>
             </a:fld>
             <a:endParaRPr lang="pl-PL" dirty="0"/>
           </a:p>
@@ -2782,7 +2782,7 @@
           <a:p>
             <a:fld id="{ED0EDA0A-F020-4B01-AF63-E290248EFD6B}" type="datetime1">
               <a:rPr lang="pl-PL" smtClean="0"/>
-              <a:t>2019-11-19</a:t>
+              <a:t>2019-11-20</a:t>
             </a:fld>
             <a:endParaRPr lang="pl-PL" dirty="0"/>
           </a:p>
@@ -3038,7 +3038,7 @@
           <a:p>
             <a:fld id="{8B752FBA-2CC8-4F32-B36A-B6E16B4A5C14}" type="datetime1">
               <a:rPr lang="pl-PL" smtClean="0"/>
-              <a:t>2019-11-19</a:t>
+              <a:t>2019-11-20</a:t>
             </a:fld>
             <a:endParaRPr lang="pl-PL" dirty="0"/>
           </a:p>
@@ -3424,7 +3424,7 @@
           <a:p>
             <a:fld id="{3B7BA32A-B79B-42FE-906A-2593AD6A7FCC}" type="datetime1">
               <a:rPr lang="pl-PL" smtClean="0"/>
-              <a:t>2019-11-19</a:t>
+              <a:t>2019-11-20</a:t>
             </a:fld>
             <a:endParaRPr lang="pl-PL" dirty="0"/>
           </a:p>
@@ -3546,7 +3546,7 @@
           <a:p>
             <a:fld id="{3E28EDCB-CC2B-4C70-B921-DD5382BD4849}" type="datetime1">
               <a:rPr lang="pl-PL" smtClean="0"/>
-              <a:t>2019-11-19</a:t>
+              <a:t>2019-11-20</a:t>
             </a:fld>
             <a:endParaRPr lang="pl-PL" dirty="0"/>
           </a:p>
@@ -3641,7 +3641,7 @@
           <a:p>
             <a:fld id="{E960CF9B-2F8C-4614-93FE-75BD5748BF99}" type="datetime1">
               <a:rPr lang="pl-PL" smtClean="0"/>
-              <a:t>2019-11-19</a:t>
+              <a:t>2019-11-20</a:t>
             </a:fld>
             <a:endParaRPr lang="pl-PL" dirty="0"/>
           </a:p>
@@ -3857,7 +3857,7 @@
           <a:p>
             <a:fld id="{8F276EAB-4011-4C81-ACEC-B79731A9A244}" type="datetime1">
               <a:rPr lang="pl-PL" smtClean="0"/>
-              <a:t>2019-11-19</a:t>
+              <a:t>2019-11-20</a:t>
             </a:fld>
             <a:endParaRPr lang="pl-PL" dirty="0"/>
           </a:p>
@@ -4810,7 +4810,15 @@
             <a:pPr lvl="1"/>
             <a:r>
               <a:rPr lang="en-GB" dirty="0"/>
-              <a:t>When you try to copy the part of the lyrics, the copyright message is to be displayed in a popup window</a:t>
+              <a:t>When you </a:t>
+            </a:r>
+            <a:r>
+              <a:rPr lang="en-GB" i="1" dirty="0"/>
+              <a:t>try to copy the part of the lyrics, the </a:t>
+            </a:r>
+            <a:r>
+              <a:rPr lang="en-GB" dirty="0"/>
+              <a:t>copyright message is to be displayed in a popup window</a:t>
             </a:r>
           </a:p>
           <a:p>
